--- a/docs/part2os/04_Linking/OS_Lecture_04.pptx
+++ b/docs/part2os/04_Linking/OS_Lecture_04.pptx
@@ -159,7 +159,7 @@
   </p:defaultTextStyle>
   <p:extLst>
     <p:ext uri="{EFAFB233-063F-42B5-8137-9DF3F51BA10A}">
-      <p15:sldGuideLst xmlns:p15="http://schemas.microsoft.com/office/powerpoint/2012/main" xmlns="">
+      <p15:sldGuideLst xmlns="" xmlns:p15="http://schemas.microsoft.com/office/powerpoint/2012/main">
         <p15:guide id="1" orient="horz" pos="2160">
           <p15:clr>
             <a:srgbClr val="A4A3A4"/>
@@ -173,7 +173,7 @@
       </p15:sldGuideLst>
     </p:ext>
     <p:ext uri="{2D200454-40CA-4A62-9FC3-DE9A4176ACB9}">
-      <p15:notesGuideLst xmlns:p15="http://schemas.microsoft.com/office/powerpoint/2012/main" xmlns="">
+      <p15:notesGuideLst xmlns="" xmlns:p15="http://schemas.microsoft.com/office/powerpoint/2012/main">
         <p15:guide id="1" orient="horz" pos="2880">
           <p15:clr>
             <a:srgbClr val="A4A3A4"/>
@@ -281,7 +281,7 @@
             <a:fld id="{D0106195-8D78-4F6F-B8E4-FA67975ACEF5}" type="datetimeFigureOut">
               <a:rPr lang="ru-RU" smtClean="0"/>
               <a:pPr/>
-              <a:t>05.04.2021</a:t>
+              <a:t>20.04.2025</a:t>
             </a:fld>
             <a:endParaRPr lang="ru-RU"/>
           </a:p>
@@ -357,7 +357,7 @@
     </p:spTree>
     <p:extLst>
       <p:ext uri="{BB962C8B-B14F-4D97-AF65-F5344CB8AC3E}">
-        <p14:creationId xmlns:p14="http://schemas.microsoft.com/office/powerpoint/2010/main" xmlns="" val="827279973"/>
+        <p14:creationId xmlns="" xmlns:p14="http://schemas.microsoft.com/office/powerpoint/2010/main" val="827279973"/>
       </p:ext>
     </p:extLst>
   </p:cSld>
@@ -449,7 +449,7 @@
             <a:fld id="{878212F1-C3D9-4F2B-8F42-5E960FE8BE51}" type="datetimeFigureOut">
               <a:rPr lang="ru-RU" smtClean="0"/>
               <a:pPr/>
-              <a:t>05.04.2021</a:t>
+              <a:t>20.04.2025</a:t>
             </a:fld>
             <a:endParaRPr lang="ru-RU"/>
           </a:p>
@@ -618,7 +618,7 @@
     </p:spTree>
     <p:extLst>
       <p:ext uri="{BB962C8B-B14F-4D97-AF65-F5344CB8AC3E}">
-        <p14:creationId xmlns:p14="http://schemas.microsoft.com/office/powerpoint/2010/main" xmlns="" val="3865021395"/>
+        <p14:creationId xmlns="" xmlns:p14="http://schemas.microsoft.com/office/powerpoint/2010/main" val="3865021395"/>
       </p:ext>
     </p:extLst>
   </p:cSld>
@@ -832,7 +832,7 @@
     </p:spTree>
     <p:extLst>
       <p:ext uri="{BB962C8B-B14F-4D97-AF65-F5344CB8AC3E}">
-        <p14:creationId xmlns:p14="http://schemas.microsoft.com/office/powerpoint/2010/main" xmlns="" val="2381791527"/>
+        <p14:creationId xmlns="" xmlns:p14="http://schemas.microsoft.com/office/powerpoint/2010/main" val="2381791527"/>
       </p:ext>
     </p:extLst>
   </p:cSld>
@@ -3345,7 +3345,7 @@
     </p:spTree>
     <p:extLst>
       <p:ext uri="{BB962C8B-B14F-4D97-AF65-F5344CB8AC3E}">
-        <p14:creationId xmlns:p14="http://schemas.microsoft.com/office/powerpoint/2010/main" xmlns="" val="1915950851"/>
+        <p14:creationId xmlns="" xmlns:p14="http://schemas.microsoft.com/office/powerpoint/2010/main" val="1915950851"/>
       </p:ext>
     </p:extLst>
   </p:cSld>
@@ -3977,7 +3977,7 @@
     </p:spTree>
     <p:extLst>
       <p:ext uri="{BB962C8B-B14F-4D97-AF65-F5344CB8AC3E}">
-        <p14:creationId xmlns:p14="http://schemas.microsoft.com/office/powerpoint/2010/main" xmlns="" val="322455162"/>
+        <p14:creationId xmlns="" xmlns:p14="http://schemas.microsoft.com/office/powerpoint/2010/main" val="322455162"/>
       </p:ext>
     </p:extLst>
   </p:cSld>
@@ -4151,7 +4151,7 @@
     </p:spTree>
     <p:extLst>
       <p:ext uri="{BB962C8B-B14F-4D97-AF65-F5344CB8AC3E}">
-        <p14:creationId xmlns:p14="http://schemas.microsoft.com/office/powerpoint/2010/main" xmlns="" val="971117636"/>
+        <p14:creationId xmlns="" xmlns:p14="http://schemas.microsoft.com/office/powerpoint/2010/main" val="971117636"/>
       </p:ext>
     </p:extLst>
   </p:cSld>
@@ -4328,7 +4328,7 @@
     </p:spTree>
     <p:extLst>
       <p:ext uri="{BB962C8B-B14F-4D97-AF65-F5344CB8AC3E}">
-        <p14:creationId xmlns:p14="http://schemas.microsoft.com/office/powerpoint/2010/main" xmlns="" val="3348877825"/>
+        <p14:creationId xmlns="" xmlns:p14="http://schemas.microsoft.com/office/powerpoint/2010/main" val="3348877825"/>
       </p:ext>
     </p:extLst>
   </p:cSld>
@@ -4653,7 +4653,7 @@
     </p:spTree>
     <p:extLst>
       <p:ext uri="{BB962C8B-B14F-4D97-AF65-F5344CB8AC3E}">
-        <p14:creationId xmlns:p14="http://schemas.microsoft.com/office/powerpoint/2010/main" xmlns="" val="3256953994"/>
+        <p14:creationId xmlns="" xmlns:p14="http://schemas.microsoft.com/office/powerpoint/2010/main" val="3256953994"/>
       </p:ext>
     </p:extLst>
   </p:cSld>
@@ -4903,7 +4903,7 @@
     </p:spTree>
     <p:extLst>
       <p:ext uri="{BB962C8B-B14F-4D97-AF65-F5344CB8AC3E}">
-        <p14:creationId xmlns:p14="http://schemas.microsoft.com/office/powerpoint/2010/main" xmlns="" val="3067076846"/>
+        <p14:creationId xmlns="" xmlns:p14="http://schemas.microsoft.com/office/powerpoint/2010/main" val="3067076846"/>
       </p:ext>
     </p:extLst>
   </p:cSld>
@@ -5139,7 +5139,7 @@
     </p:spTree>
     <p:extLst>
       <p:ext uri="{BB962C8B-B14F-4D97-AF65-F5344CB8AC3E}">
-        <p14:creationId xmlns:p14="http://schemas.microsoft.com/office/powerpoint/2010/main" xmlns="" val="3710015975"/>
+        <p14:creationId xmlns="" xmlns:p14="http://schemas.microsoft.com/office/powerpoint/2010/main" val="3710015975"/>
       </p:ext>
     </p:extLst>
   </p:cSld>
@@ -5510,7 +5510,7 @@
     </p:spTree>
     <p:extLst>
       <p:ext uri="{BB962C8B-B14F-4D97-AF65-F5344CB8AC3E}">
-        <p14:creationId xmlns:p14="http://schemas.microsoft.com/office/powerpoint/2010/main" xmlns="" val="4075590966"/>
+        <p14:creationId xmlns="" xmlns:p14="http://schemas.microsoft.com/office/powerpoint/2010/main" val="4075590966"/>
       </p:ext>
     </p:extLst>
   </p:cSld>
@@ -5632,7 +5632,7 @@
     </p:spTree>
     <p:extLst>
       <p:ext uri="{BB962C8B-B14F-4D97-AF65-F5344CB8AC3E}">
-        <p14:creationId xmlns:p14="http://schemas.microsoft.com/office/powerpoint/2010/main" xmlns="" val="2889604898"/>
+        <p14:creationId xmlns="" xmlns:p14="http://schemas.microsoft.com/office/powerpoint/2010/main" val="2889604898"/>
       </p:ext>
     </p:extLst>
   </p:cSld>
@@ -5731,7 +5731,7 @@
     </p:spTree>
     <p:extLst>
       <p:ext uri="{BB962C8B-B14F-4D97-AF65-F5344CB8AC3E}">
-        <p14:creationId xmlns:p14="http://schemas.microsoft.com/office/powerpoint/2010/main" xmlns="" val="152384765"/>
+        <p14:creationId xmlns="" xmlns:p14="http://schemas.microsoft.com/office/powerpoint/2010/main" val="152384765"/>
       </p:ext>
     </p:extLst>
   </p:cSld>
@@ -6012,7 +6012,7 @@
     </p:spTree>
     <p:extLst>
       <p:ext uri="{BB962C8B-B14F-4D97-AF65-F5344CB8AC3E}">
-        <p14:creationId xmlns:p14="http://schemas.microsoft.com/office/powerpoint/2010/main" xmlns="" val="2127791886"/>
+        <p14:creationId xmlns="" xmlns:p14="http://schemas.microsoft.com/office/powerpoint/2010/main" val="2127791886"/>
       </p:ext>
     </p:extLst>
   </p:cSld>
@@ -6269,7 +6269,7 @@
     </p:spTree>
     <p:extLst>
       <p:ext uri="{BB962C8B-B14F-4D97-AF65-F5344CB8AC3E}">
-        <p14:creationId xmlns:p14="http://schemas.microsoft.com/office/powerpoint/2010/main" xmlns="" val="1752705130"/>
+        <p14:creationId xmlns="" xmlns:p14="http://schemas.microsoft.com/office/powerpoint/2010/main" val="1752705130"/>
       </p:ext>
     </p:extLst>
   </p:cSld>
@@ -6522,7 +6522,7 @@
     </p:spTree>
     <p:extLst>
       <p:ext uri="{BB962C8B-B14F-4D97-AF65-F5344CB8AC3E}">
-        <p14:creationId xmlns:p14="http://schemas.microsoft.com/office/powerpoint/2010/main" xmlns="" val="968833914"/>
+        <p14:creationId xmlns="" xmlns:p14="http://schemas.microsoft.com/office/powerpoint/2010/main" val="968833914"/>
       </p:ext>
     </p:extLst>
   </p:cSld>
@@ -7012,7 +7012,7 @@
     </p:spTree>
     <p:extLst>
       <p:ext uri="{BB962C8B-B14F-4D97-AF65-F5344CB8AC3E}">
-        <p14:creationId xmlns:p14="http://schemas.microsoft.com/office/powerpoint/2010/main" xmlns="" val="2492894732"/>
+        <p14:creationId xmlns="" xmlns:p14="http://schemas.microsoft.com/office/powerpoint/2010/main" val="2492894732"/>
       </p:ext>
     </p:extLst>
   </p:cSld>
@@ -13342,7 +13342,7 @@
     </p:spTree>
     <p:extLst>
       <p:ext uri="{BB962C8B-B14F-4D97-AF65-F5344CB8AC3E}">
-        <p14:creationId xmlns="" xmlns:p14="http://schemas.microsoft.com/office/powerpoint/2010/main" val="2956589724"/>
+        <p14:creationId xmlns:p14="http://schemas.microsoft.com/office/powerpoint/2010/main" xmlns="" val="2956589724"/>
       </p:ext>
     </p:extLst>
   </p:cSld>
@@ -21534,29 +21534,23 @@
       </p:sp>
       <p:sp>
         <p:nvSpPr>
-          <p:cNvPr id="9" name="Text Box 2"/>
-          <p:cNvSpPr txBox="1">
+          <p:cNvPr id="13" name="Rectangle 3"/>
+          <p:cNvSpPr>
             <a:spLocks noChangeArrowheads="1"/>
           </p:cNvSpPr>
           <p:nvPr/>
         </p:nvSpPr>
         <p:spPr bwMode="auto">
           <a:xfrm>
-            <a:off x="3073400" y="3454400"/>
-            <a:ext cx="6175386" cy="2788200"/>
+            <a:off x="9917951" y="3461674"/>
+            <a:ext cx="1287830" cy="447175"/>
           </a:xfrm>
           <a:prstGeom prst="rect">
             <a:avLst/>
           </a:prstGeom>
-          <a:solidFill>
-            <a:schemeClr val="bg1">
-              <a:lumMod val="95000"/>
-            </a:schemeClr>
-          </a:solidFill>
+          <a:noFill/>
           <a:ln w="3240">
-            <a:solidFill>
-              <a:schemeClr val="tx1"/>
-            </a:solidFill>
+            <a:noFill/>
             <a:miter lim="800000"/>
             <a:headEnd/>
             <a:tailEnd/>
@@ -21568,218 +21562,6 @@
             <a:spAutoFit/>
           </a:bodyPr>
           <a:lstStyle/>
-          <a:p>
-            <a:r>
-              <a:rPr lang="fr-FR" sz="1600" dirty="0">
-                <a:solidFill>
-                  <a:srgbClr val="000000"/>
-                </a:solidFill>
-                <a:latin typeface="Menlo-Regular"/>
-              </a:rPr>
-              <a:t>0000000000000000 &lt;main&gt;:</a:t>
-            </a:r>
-          </a:p>
-          <a:p>
-            <a:r>
-              <a:rPr lang="ro-RO" sz="1600" dirty="0">
-                <a:solidFill>
-                  <a:srgbClr val="000000"/>
-                </a:solidFill>
-                <a:latin typeface="Menlo-Regular"/>
-              </a:rPr>
-              <a:t>   0:   48 83 ec 08             sub    $0x8,%rsp</a:t>
-            </a:r>
-          </a:p>
-          <a:p>
-            <a:r>
-              <a:rPr lang="en-US" sz="1600" dirty="0">
-                <a:solidFill>
-                  <a:srgbClr val="000000"/>
-                </a:solidFill>
-                <a:latin typeface="Menlo-Regular"/>
-              </a:rPr>
-              <a:t>   4:   be 02 00 00 00          </a:t>
-            </a:r>
-            <a:r>
-              <a:rPr lang="en-US" sz="1600" dirty="0" err="1">
-                <a:solidFill>
-                  <a:srgbClr val="000000"/>
-                </a:solidFill>
-                <a:latin typeface="Menlo-Regular"/>
-              </a:rPr>
-              <a:t>mov</a:t>
-            </a:r>
-            <a:r>
-              <a:rPr lang="en-US" sz="1600" dirty="0">
-                <a:solidFill>
-                  <a:srgbClr val="000000"/>
-                </a:solidFill>
-                <a:latin typeface="Menlo-Regular"/>
-              </a:rPr>
-              <a:t>    $0x2,%esi</a:t>
-            </a:r>
-          </a:p>
-          <a:p>
-            <a:r>
-              <a:rPr lang="sk-SK" sz="1600" dirty="0">
-                <a:solidFill>
-                  <a:srgbClr val="000000"/>
-                </a:solidFill>
-                <a:latin typeface="Menlo-Regular"/>
-              </a:rPr>
-              <a:t>   9:   bf 00 00 00 00          mov    $0x0,%edi      </a:t>
-            </a:r>
-            <a:r>
-              <a:rPr lang="sk-SK" sz="1600" dirty="0">
-                <a:solidFill>
-                  <a:srgbClr val="3366FF"/>
-                </a:solidFill>
-                <a:latin typeface="Menlo-Regular"/>
-              </a:rPr>
-              <a:t># %edi = &amp;array</a:t>
-            </a:r>
-          </a:p>
-          <a:p>
-            <a:r>
-              <a:rPr lang="en-US" sz="1600" dirty="0">
-                <a:solidFill>
-                  <a:srgbClr val="000000"/>
-                </a:solidFill>
-                <a:latin typeface="Menlo-Regular"/>
-              </a:rPr>
-              <a:t>                        </a:t>
-            </a:r>
-            <a:r>
-              <a:rPr lang="en-US" sz="1600" dirty="0">
-                <a:solidFill>
-                  <a:srgbClr val="FF0000"/>
-                </a:solidFill>
-                <a:latin typeface="Menlo-Regular"/>
-              </a:rPr>
-              <a:t>a: R_X86_64_32 array          </a:t>
-            </a:r>
-            <a:r>
-              <a:rPr lang="en-US" sz="1600" dirty="0">
-                <a:solidFill>
-                  <a:srgbClr val="3366FF"/>
-                </a:solidFill>
-                <a:latin typeface="Menlo-Regular"/>
-              </a:rPr>
-              <a:t># Relocation entry</a:t>
-            </a:r>
-          </a:p>
-          <a:p>
-            <a:endParaRPr lang="en-US" sz="1600" dirty="0">
-              <a:solidFill>
-                <a:srgbClr val="3366FF"/>
-              </a:solidFill>
-              <a:latin typeface="Menlo-Regular"/>
-            </a:endParaRPr>
-          </a:p>
-          <a:p>
-            <a:r>
-              <a:rPr lang="en-US" sz="1600" dirty="0">
-                <a:solidFill>
-                  <a:srgbClr val="000000"/>
-                </a:solidFill>
-                <a:latin typeface="Menlo-Regular"/>
-              </a:rPr>
-              <a:t>   e:   e8 00 00 00 00          </a:t>
-            </a:r>
-            <a:r>
-              <a:rPr lang="en-US" sz="1600" dirty="0" err="1">
-                <a:solidFill>
-                  <a:srgbClr val="000000"/>
-                </a:solidFill>
-                <a:latin typeface="Menlo-Regular"/>
-              </a:rPr>
-              <a:t>callq</a:t>
-            </a:r>
-            <a:r>
-              <a:rPr lang="en-US" sz="1600" dirty="0">
-                <a:solidFill>
-                  <a:srgbClr val="000000"/>
-                </a:solidFill>
-                <a:latin typeface="Menlo-Regular"/>
-              </a:rPr>
-              <a:t>  13 &lt;main+0x13&gt; </a:t>
-            </a:r>
-            <a:r>
-              <a:rPr lang="en-US" sz="1600" dirty="0">
-                <a:solidFill>
-                  <a:srgbClr val="3366FF"/>
-                </a:solidFill>
-                <a:latin typeface="Menlo-Regular"/>
-              </a:rPr>
-              <a:t># sum()</a:t>
-            </a:r>
-          </a:p>
-          <a:p>
-            <a:r>
-              <a:rPr lang="en-US" sz="1600" dirty="0">
-                <a:solidFill>
-                  <a:srgbClr val="000000"/>
-                </a:solidFill>
-                <a:latin typeface="Menlo-Regular"/>
-              </a:rPr>
-              <a:t>                        </a:t>
-            </a:r>
-            <a:r>
-              <a:rPr lang="en-US" sz="1600" dirty="0">
-                <a:solidFill>
-                  <a:srgbClr val="FF0000"/>
-                </a:solidFill>
-                <a:latin typeface="Menlo-Regular"/>
-              </a:rPr>
-              <a:t>f: R_X86_64_PC32 sum-0x4      </a:t>
-            </a:r>
-            <a:r>
-              <a:rPr lang="en-US" sz="1600" dirty="0">
-                <a:solidFill>
-                  <a:srgbClr val="3366FF"/>
-                </a:solidFill>
-                <a:latin typeface="Menlo-Regular"/>
-              </a:rPr>
-              <a:t># Relocation entry</a:t>
-            </a:r>
-          </a:p>
-          <a:p>
-            <a:r>
-              <a:rPr lang="en-US" sz="1600" dirty="0">
-                <a:solidFill>
-                  <a:srgbClr val="000000"/>
-                </a:solidFill>
-                <a:latin typeface="Menlo-Regular"/>
-              </a:rPr>
-              <a:t>  13:   48 83 c4 08             add    $0x8,%rsp</a:t>
-            </a:r>
-          </a:p>
-          <a:p>
-            <a:r>
-              <a:rPr lang="en-US" sz="1600" dirty="0">
-                <a:solidFill>
-                  <a:srgbClr val="000000"/>
-                </a:solidFill>
-                <a:latin typeface="Menlo-Regular"/>
-              </a:rPr>
-              <a:t>  17:   c3                      </a:t>
-            </a:r>
-            <a:r>
-              <a:rPr lang="en-US" sz="1600" dirty="0" err="1">
-                <a:solidFill>
-                  <a:srgbClr val="000000"/>
-                </a:solidFill>
-                <a:latin typeface="Menlo-Regular"/>
-              </a:rPr>
-              <a:t>retq</a:t>
-            </a:r>
-            <a:endParaRPr lang="en-US" sz="1600" dirty="0">
-              <a:solidFill>
-                <a:srgbClr val="000000"/>
-              </a:solidFill>
-              <a:latin typeface="Menlo-Regular"/>
-            </a:endParaRPr>
-          </a:p>
           <a:p>
             <a:pPr>
               <a:lnSpc>
@@ -21800,64 +21582,6 @@
                 <a:tab pos="10058400" algn="l"/>
               </a:tabLst>
             </a:pPr>
-            <a:endParaRPr lang="ro-RO" sz="1600" dirty="0">
-              <a:latin typeface="Courier New" pitchFamily="49" charset="0"/>
-              <a:ea typeface="msgothic" charset="0"/>
-              <a:cs typeface="msgothic" charset="0"/>
-            </a:endParaRPr>
-          </a:p>
-        </p:txBody>
-      </p:sp>
-      <p:sp>
-        <p:nvSpPr>
-          <p:cNvPr id="13" name="Rectangle 3"/>
-          <p:cNvSpPr>
-            <a:spLocks noChangeArrowheads="1"/>
-          </p:cNvSpPr>
-          <p:nvPr/>
-        </p:nvSpPr>
-        <p:spPr bwMode="auto">
-          <a:xfrm>
-            <a:off x="9397251" y="3461674"/>
-            <a:ext cx="1287830" cy="447175"/>
-          </a:xfrm>
-          <a:prstGeom prst="rect">
-            <a:avLst/>
-          </a:prstGeom>
-          <a:noFill/>
-          <a:ln w="3240">
-            <a:noFill/>
-            <a:miter lim="800000"/>
-            <a:headEnd/>
-            <a:tailEnd/>
-          </a:ln>
-          <a:effectLst/>
-        </p:spPr>
-        <p:txBody>
-          <a:bodyPr wrap="none" lIns="90000" tIns="46800" rIns="90000" bIns="46800">
-            <a:spAutoFit/>
-          </a:bodyPr>
-          <a:lstStyle/>
-          <a:p>
-            <a:pPr>
-              <a:lnSpc>
-                <a:spcPct val="94000"/>
-              </a:lnSpc>
-              <a:tabLst>
-                <a:tab pos="0" algn="l"/>
-                <a:tab pos="914400" algn="l"/>
-                <a:tab pos="1828800" algn="l"/>
-                <a:tab pos="2743200" algn="l"/>
-                <a:tab pos="3657600" algn="l"/>
-                <a:tab pos="4572000" algn="l"/>
-                <a:tab pos="5486400" algn="l"/>
-                <a:tab pos="6400800" algn="l"/>
-                <a:tab pos="7315200" algn="l"/>
-                <a:tab pos="8229600" algn="l"/>
-                <a:tab pos="9144000" algn="l"/>
-                <a:tab pos="10058400" algn="l"/>
-              </a:tabLst>
-            </a:pPr>
             <a:r>
               <a:rPr lang="en-GB" sz="2400" b="1" i="1" dirty="0" err="1" smtClean="0">
                 <a:solidFill>
@@ -21896,8 +21620,8 @@
         </p:nvSpPr>
         <p:spPr bwMode="auto">
           <a:xfrm>
-            <a:off x="3091038" y="1219201"/>
-            <a:ext cx="2723031" cy="2033506"/>
+            <a:off x="4665838" y="1066801"/>
+            <a:ext cx="2723031" cy="1479509"/>
           </a:xfrm>
           <a:prstGeom prst="rect">
             <a:avLst/>
@@ -21955,10 +21679,17 @@
                 </a:solidFill>
                 <a:latin typeface="Menlo-Regular"/>
               </a:rPr>
-              <a:t>[2] = {1, 2};</a:t>
-            </a:r>
-          </a:p>
-          <a:p>
+              <a:t>[2] = {1, 2</a:t>
+            </a:r>
+            <a:r>
+              <a:rPr lang="hu-HU" sz="1800" dirty="0" smtClean="0">
+                <a:solidFill>
+                  <a:srgbClr val="000000"/>
+                </a:solidFill>
+                <a:latin typeface="Menlo-Regular"/>
+              </a:rPr>
+              <a:t>};</a:t>
+            </a:r>
             <a:endParaRPr lang="hu-HU" sz="1800" dirty="0">
               <a:solidFill>
                 <a:srgbClr val="000000"/>
@@ -21995,25 +21726,20 @@
               <a:t>main</a:t>
             </a:r>
             <a:r>
-              <a:rPr lang="en-US" sz="1800" dirty="0">
-                <a:solidFill>
-                  <a:srgbClr val="000000"/>
-                </a:solidFill>
-                <a:latin typeface="Menlo-Regular"/>
-              </a:rPr>
-              <a:t>()</a:t>
-            </a:r>
-          </a:p>
-          <a:p>
-            <a:r>
-              <a:rPr lang="en-US" sz="1800" dirty="0">
-                <a:solidFill>
-                  <a:srgbClr val="000000"/>
-                </a:solidFill>
-                <a:latin typeface="Menlo-Regular"/>
-              </a:rPr>
-              <a:t>{</a:t>
-            </a:r>
+              <a:rPr lang="en-US" sz="1800" dirty="0" smtClean="0">
+                <a:solidFill>
+                  <a:srgbClr val="000000"/>
+                </a:solidFill>
+                <a:latin typeface="Menlo-Regular"/>
+              </a:rPr>
+              <a:t>() {</a:t>
+            </a:r>
+            <a:endParaRPr lang="en-US" sz="1800" dirty="0">
+              <a:solidFill>
+                <a:srgbClr val="000000"/>
+              </a:solidFill>
+              <a:latin typeface="Menlo-Regular"/>
+            </a:endParaRPr>
           </a:p>
           <a:p>
             <a:r>
@@ -22154,7 +21880,7 @@
         </p:nvSpPr>
         <p:spPr bwMode="auto">
           <a:xfrm>
-            <a:off x="5968341" y="1193245"/>
+            <a:off x="7416141" y="1193245"/>
             <a:ext cx="1287830" cy="447175"/>
           </a:xfrm>
           <a:prstGeom prst="rect">
@@ -22249,6 +21975,476 @@
               <a:t>20</a:t>
             </a:fld>
             <a:endParaRPr lang="ru-RU" dirty="0"/>
+          </a:p>
+        </p:txBody>
+      </p:sp>
+      <p:sp>
+        <p:nvSpPr>
+          <p:cNvPr id="10" name="Text Box 2"/>
+          <p:cNvSpPr txBox="1">
+            <a:spLocks noChangeArrowheads="1"/>
+          </p:cNvSpPr>
+          <p:nvPr/>
+        </p:nvSpPr>
+        <p:spPr bwMode="auto">
+          <a:xfrm>
+            <a:off x="1981200" y="2628525"/>
+            <a:ext cx="7899400" cy="3757055"/>
+          </a:xfrm>
+          <a:prstGeom prst="rect">
+            <a:avLst/>
+          </a:prstGeom>
+          <a:solidFill>
+            <a:schemeClr val="bg1">
+              <a:lumMod val="95000"/>
+            </a:schemeClr>
+          </a:solidFill>
+          <a:ln w="3240">
+            <a:solidFill>
+              <a:schemeClr val="tx1"/>
+            </a:solidFill>
+            <a:miter lim="800000"/>
+            <a:headEnd/>
+            <a:tailEnd/>
+          </a:ln>
+          <a:effectLst/>
+        </p:spPr>
+        <p:txBody>
+          <a:bodyPr wrap="square" lIns="90000" tIns="46800" rIns="90000" bIns="46800">
+            <a:spAutoFit/>
+          </a:bodyPr>
+          <a:lstStyle/>
+          <a:p>
+            <a:r>
+              <a:rPr lang="fr-FR" sz="1400" dirty="0" smtClean="0">
+                <a:solidFill>
+                  <a:srgbClr val="000000"/>
+                </a:solidFill>
+                <a:latin typeface="Menlo-Regular"/>
+              </a:rPr>
+              <a:t>0000000000000000 &lt;main&gt;:</a:t>
+            </a:r>
+          </a:p>
+          <a:p>
+            <a:r>
+              <a:rPr lang="fr-FR" sz="1400" dirty="0" smtClean="0">
+                <a:solidFill>
+                  <a:srgbClr val="000000"/>
+                </a:solidFill>
+                <a:latin typeface="Menlo-Regular"/>
+              </a:rPr>
+              <a:t>   0:	ff010113          	addi	sp,sp,-16</a:t>
+            </a:r>
+          </a:p>
+          <a:p>
+            <a:r>
+              <a:rPr lang="fr-FR" sz="1400" dirty="0" smtClean="0">
+                <a:solidFill>
+                  <a:srgbClr val="000000"/>
+                </a:solidFill>
+                <a:latin typeface="Menlo-Regular"/>
+              </a:rPr>
+              <a:t>   4:	00113423          	sd	ra,8(sp)</a:t>
+            </a:r>
+          </a:p>
+          <a:p>
+            <a:r>
+              <a:rPr lang="fr-FR" sz="1400" dirty="0" smtClean="0">
+                <a:solidFill>
+                  <a:srgbClr val="000000"/>
+                </a:solidFill>
+                <a:latin typeface="Menlo-Regular"/>
+              </a:rPr>
+              <a:t>   8:	00200593          	li	a1,2</a:t>
+            </a:r>
+          </a:p>
+          <a:p>
+            <a:r>
+              <a:rPr lang="fr-FR" sz="1400" dirty="0" smtClean="0">
+                <a:solidFill>
+                  <a:srgbClr val="000000"/>
+                </a:solidFill>
+                <a:latin typeface="Menlo-Regular"/>
+              </a:rPr>
+              <a:t>   c:	00000537          	lui	a0,0x0</a:t>
+            </a:r>
+          </a:p>
+          <a:p>
+            <a:r>
+              <a:rPr lang="fr-FR" sz="1400" dirty="0" smtClean="0">
+                <a:solidFill>
+                  <a:srgbClr val="000000"/>
+                </a:solidFill>
+                <a:latin typeface="Menlo-Regular"/>
+              </a:rPr>
+              <a:t>			</a:t>
+            </a:r>
+            <a:r>
+              <a:rPr lang="fr-FR" sz="1400" dirty="0" smtClean="0">
+                <a:solidFill>
+                  <a:srgbClr val="FF0000"/>
+                </a:solidFill>
+                <a:latin typeface="Menlo-Regular"/>
+              </a:rPr>
+              <a:t>c: R_RISCV_HI20	</a:t>
+            </a:r>
+            <a:r>
+              <a:rPr lang="fr-FR" sz="1400" dirty="0" smtClean="0">
+                <a:solidFill>
+                  <a:srgbClr val="FF0000"/>
+                </a:solidFill>
+                <a:latin typeface="Menlo-Regular"/>
+              </a:rPr>
+              <a:t>array</a:t>
+            </a:r>
+            <a:r>
+              <a:rPr lang="ru-RU" sz="1400" dirty="0" smtClean="0">
+                <a:solidFill>
+                  <a:srgbClr val="FF0000"/>
+                </a:solidFill>
+                <a:latin typeface="Menlo-Regular"/>
+              </a:rPr>
+              <a:t> </a:t>
+            </a:r>
+            <a:r>
+              <a:rPr lang="en-US" sz="1400" dirty="0" smtClean="0">
+                <a:solidFill>
+                  <a:srgbClr val="FF0000"/>
+                </a:solidFill>
+                <a:latin typeface="Menlo-Regular"/>
+              </a:rPr>
+              <a:t> </a:t>
+            </a:r>
+            <a:r>
+              <a:rPr lang="en-US" sz="1400" dirty="0" smtClean="0">
+                <a:solidFill>
+                  <a:srgbClr val="FF0000"/>
+                </a:solidFill>
+                <a:latin typeface="Menlo-Regular"/>
+              </a:rPr>
+              <a:t> </a:t>
+            </a:r>
+            <a:r>
+              <a:rPr lang="en-US" sz="1400" dirty="0" smtClean="0">
+                <a:solidFill>
+                  <a:srgbClr val="3366FF"/>
+                </a:solidFill>
+                <a:latin typeface="Menlo-Regular"/>
+              </a:rPr>
+              <a:t># </a:t>
+            </a:r>
+            <a:r>
+              <a:rPr lang="en-US" sz="1400" dirty="0" smtClean="0">
+                <a:solidFill>
+                  <a:srgbClr val="3366FF"/>
+                </a:solidFill>
+                <a:latin typeface="Menlo-Regular"/>
+              </a:rPr>
+              <a:t>Relocation entry</a:t>
+            </a:r>
+            <a:endParaRPr lang="fr-FR" sz="1400" dirty="0" smtClean="0">
+              <a:solidFill>
+                <a:srgbClr val="FF0000"/>
+              </a:solidFill>
+              <a:latin typeface="Menlo-Regular"/>
+            </a:endParaRPr>
+          </a:p>
+          <a:p>
+            <a:r>
+              <a:rPr lang="fr-FR" sz="1400" dirty="0" smtClean="0">
+                <a:solidFill>
+                  <a:srgbClr val="000000"/>
+                </a:solidFill>
+                <a:latin typeface="Menlo-Regular"/>
+              </a:rPr>
+              <a:t>			c: R_RISCV_RELAX	*ABS*</a:t>
+            </a:r>
+          </a:p>
+          <a:p>
+            <a:r>
+              <a:rPr lang="fr-FR" sz="1400" dirty="0" smtClean="0">
+                <a:solidFill>
+                  <a:srgbClr val="000000"/>
+                </a:solidFill>
+                <a:latin typeface="Menlo-Regular"/>
+              </a:rPr>
+              <a:t>  10:	00050513          	mv	</a:t>
+            </a:r>
+            <a:r>
+              <a:rPr lang="fr-FR" sz="1400" dirty="0" smtClean="0">
+                <a:solidFill>
+                  <a:srgbClr val="000000"/>
+                </a:solidFill>
+                <a:latin typeface="Menlo-Regular"/>
+              </a:rPr>
+              <a:t>a0,a0</a:t>
+            </a:r>
+            <a:r>
+              <a:rPr lang="ru-RU" sz="1400" dirty="0" smtClean="0">
+                <a:solidFill>
+                  <a:srgbClr val="000000"/>
+                </a:solidFill>
+                <a:latin typeface="Menlo-Regular"/>
+              </a:rPr>
+              <a:t> </a:t>
+            </a:r>
+            <a:r>
+              <a:rPr lang="en-US" sz="1400" dirty="0" smtClean="0">
+                <a:solidFill>
+                  <a:srgbClr val="000000"/>
+                </a:solidFill>
+                <a:latin typeface="Menlo-Regular"/>
+              </a:rPr>
+              <a:t> </a:t>
+            </a:r>
+            <a:r>
+              <a:rPr lang="en-US" sz="1400" dirty="0" smtClean="0">
+                <a:solidFill>
+                  <a:srgbClr val="000000"/>
+                </a:solidFill>
+                <a:latin typeface="Menlo-Regular"/>
+              </a:rPr>
+              <a:t> </a:t>
+            </a:r>
+            <a:r>
+              <a:rPr lang="sk-SK" sz="1400" dirty="0" smtClean="0">
+                <a:solidFill>
+                  <a:srgbClr val="3366FF"/>
+                </a:solidFill>
+                <a:latin typeface="Menlo-Regular"/>
+              </a:rPr>
+              <a:t># %</a:t>
+            </a:r>
+            <a:r>
+              <a:rPr lang="en-US" sz="1400" dirty="0" smtClean="0">
+                <a:solidFill>
+                  <a:srgbClr val="3366FF"/>
+                </a:solidFill>
+                <a:latin typeface="Menlo-Regular"/>
+              </a:rPr>
+              <a:t>a0</a:t>
+            </a:r>
+            <a:r>
+              <a:rPr lang="sk-SK" sz="1400" dirty="0" smtClean="0">
+                <a:solidFill>
+                  <a:srgbClr val="3366FF"/>
+                </a:solidFill>
+                <a:latin typeface="Menlo-Regular"/>
+              </a:rPr>
+              <a:t> </a:t>
+            </a:r>
+            <a:r>
+              <a:rPr lang="sk-SK" sz="1400" dirty="0" smtClean="0">
+                <a:solidFill>
+                  <a:srgbClr val="3366FF"/>
+                </a:solidFill>
+                <a:latin typeface="Menlo-Regular"/>
+              </a:rPr>
+              <a:t>= &amp;array</a:t>
+            </a:r>
+            <a:endParaRPr lang="fr-FR" sz="1400" dirty="0" smtClean="0">
+              <a:solidFill>
+                <a:srgbClr val="000000"/>
+              </a:solidFill>
+              <a:latin typeface="Menlo-Regular"/>
+            </a:endParaRPr>
+          </a:p>
+          <a:p>
+            <a:r>
+              <a:rPr lang="fr-FR" sz="1400" dirty="0" smtClean="0">
+                <a:solidFill>
+                  <a:srgbClr val="000000"/>
+                </a:solidFill>
+                <a:latin typeface="Menlo-Regular"/>
+              </a:rPr>
+              <a:t>			10: R_RISCV_LO12_I	array</a:t>
+            </a:r>
+          </a:p>
+          <a:p>
+            <a:r>
+              <a:rPr lang="fr-FR" sz="1400" dirty="0" smtClean="0">
+                <a:solidFill>
+                  <a:srgbClr val="000000"/>
+                </a:solidFill>
+                <a:latin typeface="Menlo-Regular"/>
+              </a:rPr>
+              <a:t>			10: R_RISCV_RELAX	*ABS*</a:t>
+            </a:r>
+          </a:p>
+          <a:p>
+            <a:r>
+              <a:rPr lang="fr-FR" sz="1400" dirty="0" smtClean="0">
+                <a:solidFill>
+                  <a:srgbClr val="000000"/>
+                </a:solidFill>
+                <a:latin typeface="Menlo-Regular"/>
+              </a:rPr>
+              <a:t>  14:	00000097          	auipc	ra,0x0</a:t>
+            </a:r>
+          </a:p>
+          <a:p>
+            <a:r>
+              <a:rPr lang="fr-FR" sz="1400" dirty="0" smtClean="0">
+                <a:solidFill>
+                  <a:srgbClr val="000000"/>
+                </a:solidFill>
+                <a:latin typeface="Menlo-Regular"/>
+              </a:rPr>
+              <a:t>			</a:t>
+            </a:r>
+            <a:r>
+              <a:rPr lang="fr-FR" sz="1400" dirty="0" smtClean="0">
+                <a:solidFill>
+                  <a:srgbClr val="FF0000"/>
+                </a:solidFill>
+                <a:latin typeface="Menlo-Regular"/>
+              </a:rPr>
+              <a:t>14: R_RISCV_CALL	</a:t>
+            </a:r>
+            <a:r>
+              <a:rPr lang="fr-FR" sz="1400" dirty="0" smtClean="0">
+                <a:solidFill>
+                  <a:srgbClr val="FF0000"/>
+                </a:solidFill>
+                <a:latin typeface="Menlo-Regular"/>
+              </a:rPr>
+              <a:t>sum</a:t>
+            </a:r>
+            <a:r>
+              <a:rPr lang="ru-RU" sz="1400" dirty="0" smtClean="0">
+                <a:solidFill>
+                  <a:srgbClr val="FF0000"/>
+                </a:solidFill>
+                <a:latin typeface="Menlo-Regular"/>
+              </a:rPr>
+              <a:t>  </a:t>
+            </a:r>
+            <a:r>
+              <a:rPr lang="en-US" sz="1400" dirty="0" smtClean="0">
+                <a:solidFill>
+                  <a:srgbClr val="3366FF"/>
+                </a:solidFill>
+                <a:latin typeface="Menlo-Regular"/>
+              </a:rPr>
+              <a:t># Relocation entry</a:t>
+            </a:r>
+            <a:endParaRPr lang="fr-FR" sz="1400" dirty="0" smtClean="0">
+              <a:solidFill>
+                <a:srgbClr val="FF0000"/>
+              </a:solidFill>
+              <a:latin typeface="Menlo-Regular"/>
+            </a:endParaRPr>
+          </a:p>
+          <a:p>
+            <a:r>
+              <a:rPr lang="fr-FR" sz="1400" dirty="0" smtClean="0">
+                <a:solidFill>
+                  <a:srgbClr val="000000"/>
+                </a:solidFill>
+                <a:latin typeface="Menlo-Regular"/>
+              </a:rPr>
+              <a:t>			14: R_RISCV_RELAX	*ABS*</a:t>
+            </a:r>
+          </a:p>
+          <a:p>
+            <a:r>
+              <a:rPr lang="fr-FR" sz="1400" dirty="0" smtClean="0">
+                <a:solidFill>
+                  <a:srgbClr val="000000"/>
+                </a:solidFill>
+                <a:latin typeface="Menlo-Regular"/>
+              </a:rPr>
+              <a:t>  18:	000080e7          	jalr	ra # 14 &lt;main+0x14</a:t>
+            </a:r>
+            <a:r>
+              <a:rPr lang="fr-FR" sz="1400" dirty="0" smtClean="0">
+                <a:solidFill>
+                  <a:srgbClr val="000000"/>
+                </a:solidFill>
+                <a:latin typeface="Menlo-Regular"/>
+              </a:rPr>
+              <a:t>&gt;</a:t>
+            </a:r>
+            <a:r>
+              <a:rPr lang="ru-RU" sz="1400" dirty="0" smtClean="0">
+                <a:solidFill>
+                  <a:srgbClr val="000000"/>
+                </a:solidFill>
+                <a:latin typeface="Menlo-Regular"/>
+              </a:rPr>
+              <a:t> </a:t>
+            </a:r>
+            <a:r>
+              <a:rPr lang="en-US" sz="1400" dirty="0" smtClean="0">
+                <a:solidFill>
+                  <a:srgbClr val="000000"/>
+                </a:solidFill>
+                <a:latin typeface="Menlo-Regular"/>
+              </a:rPr>
+              <a:t> </a:t>
+            </a:r>
+            <a:r>
+              <a:rPr lang="en-US" sz="1400" dirty="0" smtClean="0">
+                <a:solidFill>
+                  <a:srgbClr val="3366FF"/>
+                </a:solidFill>
+                <a:latin typeface="Menlo-Regular"/>
+              </a:rPr>
+              <a:t># </a:t>
+            </a:r>
+            <a:r>
+              <a:rPr lang="en-US" sz="1400" dirty="0" smtClean="0">
+                <a:solidFill>
+                  <a:srgbClr val="3366FF"/>
+                </a:solidFill>
+                <a:latin typeface="Menlo-Regular"/>
+              </a:rPr>
+              <a:t>sum()</a:t>
+            </a:r>
+            <a:endParaRPr lang="fr-FR" sz="1400" dirty="0" smtClean="0">
+              <a:solidFill>
+                <a:srgbClr val="000000"/>
+              </a:solidFill>
+              <a:latin typeface="Menlo-Regular"/>
+            </a:endParaRPr>
+          </a:p>
+          <a:p>
+            <a:r>
+              <a:rPr lang="fr-FR" sz="1400" dirty="0" smtClean="0">
+                <a:solidFill>
+                  <a:srgbClr val="000000"/>
+                </a:solidFill>
+                <a:latin typeface="Menlo-Regular"/>
+              </a:rPr>
+              <a:t>  1c:	00813083          	ld	ra,8(sp)</a:t>
+            </a:r>
+          </a:p>
+          <a:p>
+            <a:r>
+              <a:rPr lang="fr-FR" sz="1400" dirty="0" smtClean="0">
+                <a:solidFill>
+                  <a:srgbClr val="000000"/>
+                </a:solidFill>
+                <a:latin typeface="Menlo-Regular"/>
+              </a:rPr>
+              <a:t>  20:	01010113          	addi	sp,sp,16</a:t>
+            </a:r>
+          </a:p>
+          <a:p>
+            <a:r>
+              <a:rPr lang="fr-FR" sz="1400" dirty="0" smtClean="0">
+                <a:solidFill>
+                  <a:srgbClr val="000000"/>
+                </a:solidFill>
+                <a:latin typeface="Menlo-Regular"/>
+              </a:rPr>
+              <a:t>  24:	00008067          	ret</a:t>
+            </a:r>
+            <a:endParaRPr lang="ro-RO" sz="1400" dirty="0">
+              <a:latin typeface="Courier New" pitchFamily="49" charset="0"/>
+              <a:ea typeface="msgothic" charset="0"/>
+              <a:cs typeface="msgothic" charset="0"/>
+            </a:endParaRPr>
           </a:p>
         </p:txBody>
       </p:sp>
@@ -22396,264 +22592,95 @@
           <a:lstStyle/>
           <a:p>
             <a:r>
-              <a:rPr lang="fr-FR" sz="1600" dirty="0">
-                <a:solidFill>
-                  <a:srgbClr val="000000"/>
-                </a:solidFill>
-                <a:latin typeface="Menlo-Regular"/>
-              </a:rPr>
-              <a:t>00000000004004d0 &lt;main&gt;:</a:t>
-            </a:r>
-          </a:p>
-          <a:p>
-            <a:r>
-              <a:rPr lang="ro-RO" sz="1600" dirty="0">
-                <a:solidFill>
-                  <a:srgbClr val="000000"/>
-                </a:solidFill>
-                <a:latin typeface="Menlo-Regular"/>
-              </a:rPr>
-              <a:t>  4004d0:       48 83 ec 08       </a:t>
-            </a:r>
-            <a:r>
-              <a:rPr lang="ro-RO" sz="1600" dirty="0" smtClean="0">
-                <a:solidFill>
-                  <a:srgbClr val="000000"/>
-                </a:solidFill>
-                <a:latin typeface="Menlo-Regular"/>
-              </a:rPr>
-              <a:t>sub    </a:t>
-            </a:r>
-            <a:r>
-              <a:rPr lang="ro-RO" sz="1600" dirty="0">
-                <a:solidFill>
-                  <a:srgbClr val="000000"/>
-                </a:solidFill>
-                <a:latin typeface="Menlo-Regular"/>
-              </a:rPr>
-              <a:t>$0x8,%rsp</a:t>
-            </a:r>
-          </a:p>
-          <a:p>
-            <a:r>
-              <a:rPr lang="en-US" sz="1600" dirty="0">
-                <a:solidFill>
-                  <a:srgbClr val="000000"/>
-                </a:solidFill>
-                <a:latin typeface="Menlo-Regular"/>
-              </a:rPr>
-              <a:t>  4004d4:       be 02 00 00 00    </a:t>
-            </a:r>
-            <a:r>
-              <a:rPr lang="en-US" sz="1600" dirty="0" err="1" smtClean="0">
-                <a:solidFill>
-                  <a:srgbClr val="000000"/>
-                </a:solidFill>
-                <a:latin typeface="Menlo-Regular"/>
-              </a:rPr>
-              <a:t>mov</a:t>
+              <a:rPr lang="fr-FR" sz="1600" dirty="0" smtClean="0">
+                <a:solidFill>
+                  <a:srgbClr val="000000"/>
+                </a:solidFill>
+                <a:latin typeface="Menlo-Regular"/>
+              </a:rPr>
+              <a:t>0000000000010430 &lt;main&gt;:</a:t>
+            </a:r>
+          </a:p>
+          <a:p>
+            <a:r>
+              <a:rPr lang="fr-FR" sz="1600" dirty="0" smtClean="0">
+                <a:solidFill>
+                  <a:srgbClr val="000000"/>
+                </a:solidFill>
+                <a:latin typeface="Menlo-Regular"/>
+              </a:rPr>
+              <a:t>   10430:	ff010113          	addi	sp,sp,-16</a:t>
+            </a:r>
+          </a:p>
+          <a:p>
+            <a:r>
+              <a:rPr lang="fr-FR" sz="1600" dirty="0" smtClean="0">
+                <a:solidFill>
+                  <a:srgbClr val="000000"/>
+                </a:solidFill>
+                <a:latin typeface="Menlo-Regular"/>
+              </a:rPr>
+              <a:t>   10434:	00113423          	sd	ra,8(sp)</a:t>
+            </a:r>
+          </a:p>
+          <a:p>
+            <a:r>
+              <a:rPr lang="fr-FR" sz="1600" dirty="0" smtClean="0">
+                <a:solidFill>
+                  <a:srgbClr val="000000"/>
+                </a:solidFill>
+                <a:latin typeface="Menlo-Regular"/>
+              </a:rPr>
+              <a:t>   10438:	00200593          	li	a1,2</a:t>
+            </a:r>
+          </a:p>
+          <a:p>
+            <a:r>
+              <a:rPr lang="fr-FR" sz="1600" dirty="0" smtClean="0">
+                <a:solidFill>
+                  <a:srgbClr val="000000"/>
+                </a:solidFill>
+                <a:latin typeface="Menlo-Regular"/>
+              </a:rPr>
+              <a:t>   1043c:	83018513          	addi	a0,gp,-2000 # 12030 &lt;array</a:t>
+            </a:r>
+            <a:r>
+              <a:rPr lang="fr-FR" sz="1600" dirty="0" smtClean="0">
+                <a:solidFill>
+                  <a:srgbClr val="000000"/>
+                </a:solidFill>
+                <a:latin typeface="Menlo-Regular"/>
+              </a:rPr>
+              <a:t>&gt; </a:t>
+            </a:r>
+            <a:r>
+              <a:rPr lang="sk-SK" sz="1600" dirty="0" smtClean="0">
+                <a:solidFill>
+                  <a:srgbClr val="3366FF"/>
+                </a:solidFill>
+                <a:latin typeface="Menlo-Regular"/>
+              </a:rPr>
+              <a:t># %</a:t>
             </a:r>
             <a:r>
               <a:rPr lang="en-US" sz="1600" dirty="0" smtClean="0">
                 <a:solidFill>
-                  <a:srgbClr val="000000"/>
-                </a:solidFill>
-                <a:latin typeface="Menlo-Regular"/>
-              </a:rPr>
-              <a:t>    </a:t>
-            </a:r>
-            <a:r>
-              <a:rPr lang="en-US" sz="1600" dirty="0">
-                <a:solidFill>
-                  <a:srgbClr val="000000"/>
-                </a:solidFill>
-                <a:latin typeface="Menlo-Regular"/>
-              </a:rPr>
-              <a:t>$0x2,%esi</a:t>
-            </a:r>
-          </a:p>
-          <a:p>
+                  <a:srgbClr val="3366FF"/>
+                </a:solidFill>
+                <a:latin typeface="Menlo-Regular"/>
+              </a:rPr>
+              <a:t>a0</a:t>
+            </a:r>
             <a:r>
               <a:rPr lang="sk-SK" sz="1600" dirty="0" smtClean="0">
                 <a:solidFill>
-                  <a:srgbClr val="000000"/>
-                </a:solidFill>
-                <a:latin typeface="Menlo-Regular"/>
-              </a:rPr>
-              <a:t>  4004d9</a:t>
-            </a:r>
-            <a:r>
-              <a:rPr lang="sk-SK" sz="1600" dirty="0">
-                <a:solidFill>
-                  <a:srgbClr val="000000"/>
-                </a:solidFill>
-                <a:latin typeface="Menlo-Regular"/>
-              </a:rPr>
-              <a:t>:       bf 18 10 60 00    </a:t>
-            </a:r>
-            <a:r>
-              <a:rPr lang="sk-SK" sz="1600" dirty="0" smtClean="0">
-                <a:solidFill>
-                  <a:srgbClr val="000000"/>
-                </a:solidFill>
-                <a:latin typeface="Menlo-Regular"/>
-              </a:rPr>
-              <a:t>mov    </a:t>
-            </a:r>
-            <a:r>
-              <a:rPr lang="sk-SK" sz="1600" dirty="0">
-                <a:latin typeface="Menlo-Regular"/>
-              </a:rPr>
-              <a:t>$0x601018</a:t>
-            </a:r>
-            <a:r>
-              <a:rPr lang="sk-SK" sz="1600" dirty="0">
-                <a:solidFill>
-                  <a:srgbClr val="000000"/>
-                </a:solidFill>
-                <a:latin typeface="Menlo-Regular"/>
-              </a:rPr>
-              <a:t>,%edi  </a:t>
-            </a:r>
-            <a:r>
-              <a:rPr lang="sk-SK" sz="1600" dirty="0">
-                <a:latin typeface="Menlo-Regular"/>
-              </a:rPr>
-              <a:t># %edi = &amp;array</a:t>
-            </a:r>
-          </a:p>
-          <a:p>
-            <a:r>
-              <a:rPr lang="en-US" sz="1600" dirty="0" smtClean="0">
-                <a:solidFill>
-                  <a:srgbClr val="000000"/>
-                </a:solidFill>
-                <a:latin typeface="Menlo-Regular"/>
-              </a:rPr>
-              <a:t>  4004de</a:t>
-            </a:r>
-            <a:r>
-              <a:rPr lang="en-US" sz="1600" dirty="0">
-                <a:solidFill>
-                  <a:srgbClr val="000000"/>
-                </a:solidFill>
-                <a:latin typeface="Menlo-Regular"/>
-              </a:rPr>
-              <a:t>:       e8 </a:t>
-            </a:r>
-            <a:r>
-              <a:rPr lang="en-US" sz="1600" dirty="0">
-                <a:solidFill>
-                  <a:schemeClr val="accent1"/>
-                </a:solidFill>
-                <a:latin typeface="Menlo-Regular"/>
-              </a:rPr>
-              <a:t>05 00 00 00    </a:t>
-            </a:r>
-            <a:r>
-              <a:rPr lang="en-US" sz="1600" dirty="0" err="1" smtClean="0">
-                <a:solidFill>
-                  <a:srgbClr val="000000"/>
-                </a:solidFill>
-                <a:latin typeface="Menlo-Regular"/>
-              </a:rPr>
-              <a:t>callq</a:t>
-            </a:r>
-            <a:r>
-              <a:rPr lang="en-US" sz="1600" dirty="0" smtClean="0">
-                <a:solidFill>
-                  <a:srgbClr val="000000"/>
-                </a:solidFill>
-                <a:latin typeface="Menlo-Regular"/>
-              </a:rPr>
-              <a:t>  </a:t>
-            </a:r>
-            <a:r>
-              <a:rPr lang="en-US" sz="1600" dirty="0">
-                <a:solidFill>
-                  <a:srgbClr val="FF0000"/>
-                </a:solidFill>
-                <a:latin typeface="Menlo-Regular"/>
-              </a:rPr>
-              <a:t>4004e8 </a:t>
-            </a:r>
-            <a:r>
-              <a:rPr lang="en-US" sz="1600" dirty="0">
-                <a:solidFill>
-                  <a:srgbClr val="000000"/>
-                </a:solidFill>
-                <a:latin typeface="Menlo-Regular"/>
-              </a:rPr>
-              <a:t>&lt;sum&gt;    # sum()</a:t>
-            </a:r>
-          </a:p>
-          <a:p>
-            <a:r>
-              <a:rPr lang="en-US" sz="1600" dirty="0" smtClean="0">
-                <a:solidFill>
-                  <a:srgbClr val="000000"/>
-                </a:solidFill>
-                <a:latin typeface="Menlo-Regular"/>
-              </a:rPr>
-              <a:t>  </a:t>
-            </a:r>
-            <a:r>
-              <a:rPr lang="en-US" sz="1600" dirty="0" smtClean="0">
-                <a:solidFill>
                   <a:srgbClr val="3366FF"/>
                 </a:solidFill>
                 <a:latin typeface="Menlo-Regular"/>
               </a:rPr>
-              <a:t>4004e3</a:t>
-            </a:r>
-            <a:r>
-              <a:rPr lang="en-US" sz="1600" dirty="0">
-                <a:solidFill>
-                  <a:srgbClr val="000000"/>
-                </a:solidFill>
-                <a:latin typeface="Menlo-Regular"/>
-              </a:rPr>
-              <a:t>:       48 83 c4 08       </a:t>
-            </a:r>
-            <a:r>
-              <a:rPr lang="en-US" sz="1600" dirty="0" smtClean="0">
-                <a:solidFill>
-                  <a:srgbClr val="000000"/>
-                </a:solidFill>
-                <a:latin typeface="Menlo-Regular"/>
-              </a:rPr>
-              <a:t>add    </a:t>
-            </a:r>
-            <a:r>
-              <a:rPr lang="en-US" sz="1600" dirty="0">
-                <a:solidFill>
-                  <a:srgbClr val="000000"/>
-                </a:solidFill>
-                <a:latin typeface="Menlo-Regular"/>
-              </a:rPr>
-              <a:t>$0x8,%rsp</a:t>
-            </a:r>
-          </a:p>
-          <a:p>
-            <a:r>
-              <a:rPr lang="en-US" sz="1600" dirty="0">
-                <a:solidFill>
-                  <a:srgbClr val="000000"/>
-                </a:solidFill>
-                <a:latin typeface="Menlo-Regular"/>
-              </a:rPr>
-              <a:t>  4004e7:       c3                </a:t>
-            </a:r>
-            <a:r>
-              <a:rPr lang="en-US" sz="1600" dirty="0" err="1" smtClean="0">
-                <a:solidFill>
-                  <a:srgbClr val="000000"/>
-                </a:solidFill>
-                <a:latin typeface="Menlo-Regular"/>
-              </a:rPr>
-              <a:t>retq</a:t>
-            </a:r>
-            <a:endParaRPr lang="en-US" sz="1600" dirty="0">
+              <a:t> = &amp;array</a:t>
+            </a:r>
+            <a:endParaRPr lang="fr-FR" sz="1600" dirty="0" smtClean="0">
               <a:solidFill>
                 <a:srgbClr val="000000"/>
               </a:solidFill>
@@ -22661,7 +22688,84 @@
             </a:endParaRPr>
           </a:p>
           <a:p>
-            <a:endParaRPr lang="en-US" sz="1600" dirty="0">
+            <a:r>
+              <a:rPr lang="fr-FR" sz="1600" dirty="0" smtClean="0">
+                <a:solidFill>
+                  <a:srgbClr val="000000"/>
+                </a:solidFill>
+                <a:latin typeface="Menlo-Regular"/>
+              </a:rPr>
+              <a:t>   10440:	010000ef          	jal	ra,10450 &lt;</a:t>
+            </a:r>
+            <a:r>
+              <a:rPr lang="fr-FR" sz="1600" dirty="0" smtClean="0">
+                <a:solidFill>
+                  <a:srgbClr val="000000"/>
+                </a:solidFill>
+                <a:latin typeface="Menlo-Regular"/>
+              </a:rPr>
+              <a:t>sum&gt;</a:t>
+            </a:r>
+            <a:r>
+              <a:rPr lang="fr-FR" sz="1600" dirty="0" smtClean="0">
+                <a:solidFill>
+                  <a:srgbClr val="0070C0"/>
+                </a:solidFill>
+                <a:latin typeface="Menlo-Regular"/>
+              </a:rPr>
+              <a:t> </a:t>
+            </a:r>
+            <a:r>
+              <a:rPr lang="en-US" sz="1600" dirty="0" smtClean="0">
+                <a:solidFill>
+                  <a:srgbClr val="3366FF"/>
+                </a:solidFill>
+                <a:latin typeface="Menlo-Regular"/>
+              </a:rPr>
+              <a:t># sum()</a:t>
+            </a:r>
+            <a:endParaRPr lang="fr-FR" sz="1600" dirty="0" smtClean="0">
+              <a:solidFill>
+                <a:srgbClr val="0070C0"/>
+              </a:solidFill>
+              <a:latin typeface="Menlo-Regular"/>
+            </a:endParaRPr>
+          </a:p>
+          <a:p>
+            <a:r>
+              <a:rPr lang="fr-FR" sz="1600" dirty="0" smtClean="0">
+                <a:solidFill>
+                  <a:srgbClr val="000000"/>
+                </a:solidFill>
+                <a:latin typeface="Menlo-Regular"/>
+              </a:rPr>
+              <a:t>   10444:	00813083          	ld	ra,8(sp)</a:t>
+            </a:r>
+          </a:p>
+          <a:p>
+            <a:r>
+              <a:rPr lang="fr-FR" sz="1600" dirty="0" smtClean="0">
+                <a:solidFill>
+                  <a:srgbClr val="000000"/>
+                </a:solidFill>
+                <a:latin typeface="Menlo-Regular"/>
+              </a:rPr>
+              <a:t>   10448:	01010113          	addi	sp,sp,16</a:t>
+            </a:r>
+          </a:p>
+          <a:p>
+            <a:r>
+              <a:rPr lang="fr-FR" sz="1600" dirty="0" smtClean="0">
+                <a:solidFill>
+                  <a:srgbClr val="000000"/>
+                </a:solidFill>
+                <a:latin typeface="Menlo-Regular"/>
+              </a:rPr>
+              <a:t>   1044c:	00008067          	ret</a:t>
+            </a:r>
+          </a:p>
+          <a:p>
+            <a:endParaRPr lang="fr-FR" sz="1600" dirty="0" smtClean="0">
               <a:solidFill>
                 <a:srgbClr val="000000"/>
               </a:solidFill>
@@ -22670,250 +22774,99 @@
           </a:p>
           <a:p>
             <a:r>
-              <a:rPr lang="en-US" sz="1600" dirty="0">
-                <a:solidFill>
-                  <a:srgbClr val="000000"/>
-                </a:solidFill>
-                <a:latin typeface="Menlo-Regular"/>
-              </a:rPr>
-              <a:t>00000000004004e8 &lt;sum&gt;:</a:t>
-            </a:r>
-          </a:p>
-          <a:p>
-            <a:r>
-              <a:rPr lang="sk-SK" sz="1600" dirty="0">
-                <a:solidFill>
-                  <a:srgbClr val="000000"/>
-                </a:solidFill>
-                <a:latin typeface="Menlo-Regular"/>
-              </a:rPr>
-              <a:t>  </a:t>
-            </a:r>
-            <a:r>
-              <a:rPr lang="sk-SK" sz="1600" dirty="0">
+              <a:rPr lang="fr-FR" sz="1600" dirty="0" smtClean="0">
                 <a:solidFill>
                   <a:srgbClr val="FF0000"/>
                 </a:solidFill>
                 <a:latin typeface="Menlo-Regular"/>
               </a:rPr>
-              <a:t>4004e8</a:t>
-            </a:r>
-            <a:r>
-              <a:rPr lang="sk-SK" sz="1600" dirty="0">
-                <a:solidFill>
-                  <a:srgbClr val="000000"/>
-                </a:solidFill>
-                <a:latin typeface="Menlo-Regular"/>
-              </a:rPr>
-              <a:t>:       b8 00 00 00 00          mov    $0x0,%eax</a:t>
-            </a:r>
-          </a:p>
-          <a:p>
-            <a:r>
-              <a:rPr lang="sk-SK" sz="1600" dirty="0">
-                <a:solidFill>
-                  <a:srgbClr val="000000"/>
-                </a:solidFill>
-                <a:latin typeface="Menlo-Regular"/>
-              </a:rPr>
-              <a:t>  4004ed:       ba 00 00 00 00          mov    $0x0,%edx</a:t>
-            </a:r>
-          </a:p>
-          <a:p>
-            <a:r>
-              <a:rPr lang="cs-CZ" sz="1600" dirty="0">
-                <a:solidFill>
-                  <a:srgbClr val="000000"/>
-                </a:solidFill>
-                <a:latin typeface="Menlo-Regular"/>
-              </a:rPr>
-              <a:t>  4004f2:       </a:t>
-            </a:r>
-            <a:r>
-              <a:rPr lang="cs-CZ" sz="1600" dirty="0" err="1">
-                <a:solidFill>
-                  <a:srgbClr val="000000"/>
-                </a:solidFill>
-                <a:latin typeface="Menlo-Regular"/>
-              </a:rPr>
-              <a:t>eb</a:t>
-            </a:r>
-            <a:r>
-              <a:rPr lang="cs-CZ" sz="1600" dirty="0">
-                <a:solidFill>
-                  <a:srgbClr val="000000"/>
-                </a:solidFill>
-                <a:latin typeface="Menlo-Regular"/>
-              </a:rPr>
-              <a:t> 09                   </a:t>
-            </a:r>
-            <a:r>
-              <a:rPr lang="cs-CZ" sz="1600" dirty="0" err="1">
-                <a:solidFill>
-                  <a:srgbClr val="000000"/>
-                </a:solidFill>
-                <a:latin typeface="Menlo-Regular"/>
-              </a:rPr>
-              <a:t>jmp</a:t>
-            </a:r>
-            <a:r>
-              <a:rPr lang="cs-CZ" sz="1600" dirty="0">
-                <a:solidFill>
-                  <a:srgbClr val="000000"/>
-                </a:solidFill>
-                <a:latin typeface="Menlo-Regular"/>
-              </a:rPr>
-              <a:t>    4004fd &lt;sum+0x15&gt;</a:t>
-            </a:r>
-          </a:p>
-          <a:p>
-            <a:r>
-              <a:rPr lang="ro-RO" sz="1600" dirty="0">
-                <a:solidFill>
-                  <a:srgbClr val="000000"/>
-                </a:solidFill>
-                <a:latin typeface="Menlo-Regular"/>
-              </a:rPr>
-              <a:t>  4004f4:       48 63 ca                movslq %edx,%rcx</a:t>
-            </a:r>
-          </a:p>
-          <a:p>
-            <a:r>
-              <a:rPr lang="en-US" sz="1600" dirty="0">
-                <a:solidFill>
-                  <a:srgbClr val="000000"/>
-                </a:solidFill>
-                <a:latin typeface="Menlo-Regular"/>
-              </a:rPr>
-              <a:t>  4004f7:       03 04 8f                add    (%rdi,%rcx,4),%</a:t>
-            </a:r>
-            <a:r>
-              <a:rPr lang="en-US" sz="1600" dirty="0" err="1">
-                <a:solidFill>
-                  <a:srgbClr val="000000"/>
-                </a:solidFill>
-                <a:latin typeface="Menlo-Regular"/>
-              </a:rPr>
-              <a:t>eax</a:t>
-            </a:r>
-            <a:endParaRPr lang="en-US" sz="1600" dirty="0">
-              <a:solidFill>
-                <a:srgbClr val="000000"/>
-              </a:solidFill>
-              <a:latin typeface="Menlo-Regular"/>
-            </a:endParaRPr>
-          </a:p>
-          <a:p>
-            <a:r>
-              <a:rPr lang="en-US" sz="1600" dirty="0">
-                <a:solidFill>
-                  <a:srgbClr val="000000"/>
-                </a:solidFill>
-                <a:latin typeface="Menlo-Regular"/>
-              </a:rPr>
-              <a:t>  4004fa:       83 c2 01                add    $0x1,%edx</a:t>
-            </a:r>
-          </a:p>
-          <a:p>
-            <a:r>
-              <a:rPr lang="nl-NL" sz="1600" dirty="0">
-                <a:solidFill>
-                  <a:srgbClr val="000000"/>
-                </a:solidFill>
-                <a:latin typeface="Menlo-Regular"/>
-              </a:rPr>
-              <a:t>  4004fd:       39 f2                   </a:t>
-            </a:r>
-            <a:r>
-              <a:rPr lang="nl-NL" sz="1600" dirty="0" err="1">
-                <a:solidFill>
-                  <a:srgbClr val="000000"/>
-                </a:solidFill>
-                <a:latin typeface="Menlo-Regular"/>
-              </a:rPr>
-              <a:t>cmp</a:t>
-            </a:r>
-            <a:r>
-              <a:rPr lang="nl-NL" sz="1600" dirty="0">
-                <a:solidFill>
-                  <a:srgbClr val="000000"/>
-                </a:solidFill>
-                <a:latin typeface="Menlo-Regular"/>
-              </a:rPr>
-              <a:t>    %</a:t>
-            </a:r>
-            <a:r>
-              <a:rPr lang="nl-NL" sz="1600" dirty="0" err="1">
-                <a:solidFill>
-                  <a:srgbClr val="000000"/>
-                </a:solidFill>
-                <a:latin typeface="Menlo-Regular"/>
-              </a:rPr>
-              <a:t>esi</a:t>
-            </a:r>
-            <a:r>
-              <a:rPr lang="nl-NL" sz="1600" dirty="0">
-                <a:solidFill>
-                  <a:srgbClr val="000000"/>
-                </a:solidFill>
-                <a:latin typeface="Menlo-Regular"/>
-              </a:rPr>
-              <a:t>,%</a:t>
-            </a:r>
-            <a:r>
-              <a:rPr lang="nl-NL" sz="1600" dirty="0" err="1">
-                <a:solidFill>
-                  <a:srgbClr val="000000"/>
-                </a:solidFill>
-                <a:latin typeface="Menlo-Regular"/>
-              </a:rPr>
-              <a:t>edx</a:t>
-            </a:r>
-            <a:endParaRPr lang="nl-NL" sz="1600" dirty="0">
-              <a:solidFill>
-                <a:srgbClr val="000000"/>
-              </a:solidFill>
-              <a:latin typeface="Menlo-Regular"/>
-            </a:endParaRPr>
-          </a:p>
-          <a:p>
-            <a:r>
-              <a:rPr lang="nl-NL" sz="1600" dirty="0">
-                <a:solidFill>
-                  <a:srgbClr val="000000"/>
-                </a:solidFill>
-                <a:latin typeface="Menlo-Regular"/>
-              </a:rPr>
-              <a:t>  4004ff:       7c f3                   </a:t>
-            </a:r>
-            <a:r>
-              <a:rPr lang="nl-NL" sz="1600" dirty="0" err="1">
-                <a:solidFill>
-                  <a:srgbClr val="000000"/>
-                </a:solidFill>
-                <a:latin typeface="Menlo-Regular"/>
-              </a:rPr>
-              <a:t>jl</a:t>
-            </a:r>
-            <a:r>
-              <a:rPr lang="nl-NL" sz="1600" dirty="0">
-                <a:solidFill>
-                  <a:srgbClr val="000000"/>
-                </a:solidFill>
-                <a:latin typeface="Menlo-Regular"/>
-              </a:rPr>
-              <a:t>     4004f4 &lt;sum+0xc&gt;</a:t>
-            </a:r>
-          </a:p>
-          <a:p>
-            <a:r>
-              <a:rPr lang="hu-HU" sz="1600" dirty="0">
-                <a:solidFill>
-                  <a:srgbClr val="000000"/>
-                </a:solidFill>
-                <a:latin typeface="Menlo-Regular"/>
-              </a:rPr>
-              <a:t>  400501:       f3 c3                   repz retq</a:t>
+              <a:t>0000000000010450</a:t>
+            </a:r>
+            <a:r>
+              <a:rPr lang="fr-FR" sz="1600" dirty="0" smtClean="0">
+                <a:solidFill>
+                  <a:srgbClr val="000000"/>
+                </a:solidFill>
+                <a:latin typeface="Menlo-Regular"/>
+              </a:rPr>
+              <a:t> &lt;sum&gt;:</a:t>
+            </a:r>
+          </a:p>
+          <a:p>
+            <a:r>
+              <a:rPr lang="fr-FR" sz="1600" dirty="0" smtClean="0">
+                <a:solidFill>
+                  <a:srgbClr val="000000"/>
+                </a:solidFill>
+                <a:latin typeface="Menlo-Regular"/>
+              </a:rPr>
+              <a:t>   10450:	02b05a63          	blez	a1,10484 &lt;sum+0x34&gt;</a:t>
+            </a:r>
+          </a:p>
+          <a:p>
+            <a:r>
+              <a:rPr lang="fr-FR" sz="1600" dirty="0" smtClean="0">
+                <a:solidFill>
+                  <a:srgbClr val="000000"/>
+                </a:solidFill>
+                <a:latin typeface="Menlo-Regular"/>
+              </a:rPr>
+              <a:t>   10454:	00050793          	mv	a5,a0</a:t>
+            </a:r>
+          </a:p>
+          <a:p>
+            <a:r>
+              <a:rPr lang="fr-FR" sz="1600" dirty="0" smtClean="0">
+                <a:solidFill>
+                  <a:srgbClr val="000000"/>
+                </a:solidFill>
+                <a:latin typeface="Menlo-Regular"/>
+              </a:rPr>
+              <a:t>   10458:	fff5871b          	addiw	a4,a1,-1</a:t>
+            </a:r>
+          </a:p>
+          <a:p>
+            <a:r>
+              <a:rPr lang="fr-FR" sz="1600" dirty="0" smtClean="0">
+                <a:solidFill>
+                  <a:srgbClr val="000000"/>
+                </a:solidFill>
+                <a:latin typeface="Menlo-Regular"/>
+              </a:rPr>
+              <a:t>   1045c:	02071693          	slli	a3,a4,0x20</a:t>
+            </a:r>
+          </a:p>
+          <a:p>
+            <a:r>
+              <a:rPr lang="fr-FR" sz="1600" dirty="0" smtClean="0">
+                <a:solidFill>
+                  <a:srgbClr val="000000"/>
+                </a:solidFill>
+                <a:latin typeface="Menlo-Regular"/>
+              </a:rPr>
+              <a:t>   10460:	01e6d713          	srli	a4,a3,0x1e</a:t>
+            </a:r>
+          </a:p>
+          <a:p>
+            <a:r>
+              <a:rPr lang="fr-FR" sz="1600" dirty="0" smtClean="0">
+                <a:solidFill>
+                  <a:srgbClr val="000000"/>
+                </a:solidFill>
+                <a:latin typeface="Menlo-Regular"/>
+              </a:rPr>
+              <a:t>   10464:	00450513          	addi	a0,a0,4 # 12004 &lt;__TMC_END__+0x4&gt;</a:t>
+            </a:r>
+          </a:p>
+          <a:p>
+            <a:r>
+              <a:rPr lang="fr-FR" sz="1600" dirty="0" smtClean="0">
+                <a:solidFill>
+                  <a:srgbClr val="000000"/>
+                </a:solidFill>
+                <a:latin typeface="Menlo-Regular"/>
+              </a:rPr>
+              <a:t>   10468:	00a70733          	add	a4,a4,a0</a:t>
             </a:r>
             <a:endParaRPr lang="ro-RO" sz="1600" dirty="0">
               <a:latin typeface="Courier New" pitchFamily="49" charset="0"/>
@@ -22932,7 +22885,7 @@
         <p:spPr>
           <a:xfrm>
             <a:off x="1816100" y="5753100"/>
-            <a:ext cx="8610434" cy="461665"/>
+            <a:ext cx="8923020" cy="461665"/>
           </a:xfrm>
           <a:prstGeom prst="rect">
             <a:avLst/>
@@ -22958,38 +22911,56 @@
                 </a:solidFill>
                 <a:latin typeface="Calibri" pitchFamily="34" charset="0"/>
               </a:rPr>
-              <a:t>0x4004e8</a:t>
+              <a:t>0x010450</a:t>
             </a:r>
             <a:r>
               <a:rPr lang="en-US" sz="2400" dirty="0" smtClean="0">
                 <a:latin typeface="Calibri" pitchFamily="34" charset="0"/>
               </a:rPr>
-              <a:t> = </a:t>
-            </a:r>
-            <a:r>
-              <a:rPr lang="en-US" sz="2400" dirty="0" smtClean="0">
-                <a:solidFill>
-                  <a:srgbClr val="3366FF"/>
-                </a:solidFill>
-                <a:latin typeface="Calibri" pitchFamily="34" charset="0"/>
-              </a:rPr>
-              <a:t>0x4004e3</a:t>
+              <a:t> </a:t>
             </a:r>
             <a:r>
               <a:rPr lang="en-US" sz="2400" dirty="0" smtClean="0">
                 <a:latin typeface="Calibri" pitchFamily="34" charset="0"/>
               </a:rPr>
-              <a:t> + </a:t>
+              <a:t>= </a:t>
             </a:r>
             <a:r>
               <a:rPr lang="en-US" sz="2400" dirty="0" smtClean="0">
                 <a:solidFill>
+                  <a:srgbClr val="3366FF"/>
+                </a:solidFill>
+                <a:latin typeface="Calibri" pitchFamily="34" charset="0"/>
+              </a:rPr>
+              <a:t>0x010440</a:t>
+            </a:r>
+            <a:r>
+              <a:rPr lang="en-US" sz="2400" dirty="0" smtClean="0">
+                <a:latin typeface="Calibri" pitchFamily="34" charset="0"/>
+              </a:rPr>
+              <a:t> </a:t>
+            </a:r>
+            <a:r>
+              <a:rPr lang="en-US" sz="2400" dirty="0" smtClean="0">
+                <a:latin typeface="Calibri" pitchFamily="34" charset="0"/>
+              </a:rPr>
+              <a:t>+ </a:t>
+            </a:r>
+            <a:r>
+              <a:rPr lang="en-US" sz="2400" dirty="0" smtClean="0">
+                <a:solidFill>
                   <a:srgbClr val="00CC99"/>
                 </a:solidFill>
                 <a:latin typeface="Calibri" pitchFamily="34" charset="0"/>
               </a:rPr>
-              <a:t>0x5</a:t>
-            </a:r>
+              <a:t>0x10</a:t>
+            </a:r>
+            <a:endParaRPr lang="en-US" sz="2400" dirty="0" smtClean="0">
+              <a:solidFill>
+                <a:srgbClr val="00CC99"/>
+              </a:solidFill>
+              <a:latin typeface="Calibri" pitchFamily="34" charset="0"/>
+            </a:endParaRPr>
           </a:p>
         </p:txBody>
       </p:sp>
@@ -31329,7 +31300,7 @@
     </p:spTree>
     <p:extLst>
       <p:ext uri="{BB962C8B-B14F-4D97-AF65-F5344CB8AC3E}">
-        <p14:creationId xmlns="" xmlns:p14="http://schemas.microsoft.com/office/powerpoint/2010/main" val="1637769093"/>
+        <p14:creationId xmlns:p14="http://schemas.microsoft.com/office/powerpoint/2010/main" xmlns="" val="1637769093"/>
       </p:ext>
     </p:extLst>
   </p:cSld>
@@ -36194,13 +36165,8 @@
             </a:pPr>
             <a:r>
               <a:rPr lang="en-GB" sz="2600" dirty="0" smtClean="0"/>
-              <a:t>Distributing </a:t>
-            </a:r>
-            <a:r>
-              <a:rPr lang="en-GB" sz="2600" dirty="0" smtClean="0"/>
-              <a:t>software</a:t>
-            </a:r>
-            <a:endParaRPr lang="en-GB" sz="2600" dirty="0" smtClean="0"/>
+              <a:t>Distributing software</a:t>
+            </a:r>
           </a:p>
           <a:p>
             <a:pPr lvl="2">
@@ -40725,11 +40691,7 @@
           <a:p>
             <a:r>
               <a:rPr lang="en-US" dirty="0" smtClean="0"/>
-              <a:t>Linking </a:t>
-            </a:r>
-            <a:r>
-              <a:rPr lang="en-US" dirty="0" smtClean="0"/>
-              <a:t>can happen at different times in a program’s lifetime:</a:t>
+              <a:t>Linking can happen at different times in a program’s lifetime:</a:t>
             </a:r>
           </a:p>
           <a:p>
@@ -40756,11 +40718,7 @@
           <a:p>
             <a:r>
               <a:rPr lang="en-US" dirty="0" smtClean="0"/>
-              <a:t>Understanding </a:t>
-            </a:r>
-            <a:r>
-              <a:rPr lang="en-US" dirty="0" smtClean="0"/>
-              <a:t>linking can help you avoid nasty errors and make you a better programmer. </a:t>
+              <a:t>Understanding linking can help you avoid nasty errors and make you a better programmer. </a:t>
             </a:r>
             <a:endParaRPr lang="en-US" dirty="0"/>
           </a:p>
@@ -40799,7 +40757,7 @@
     </p:spTree>
     <p:extLst>
       <p:ext uri="{BB962C8B-B14F-4D97-AF65-F5344CB8AC3E}">
-        <p14:creationId xmlns="" xmlns:p14="http://schemas.microsoft.com/office/powerpoint/2010/main" val="1592407068"/>
+        <p14:creationId xmlns:p14="http://schemas.microsoft.com/office/powerpoint/2010/main" xmlns="" val="1592407068"/>
       </p:ext>
     </p:extLst>
   </p:cSld>
@@ -41402,7 +41360,7 @@
     </p:spTree>
     <p:extLst>
       <p:ext uri="{BB962C8B-B14F-4D97-AF65-F5344CB8AC3E}">
-        <p14:creationId xmlns="" xmlns:p14="http://schemas.microsoft.com/office/powerpoint/2010/main" val="2440562694"/>
+        <p14:creationId xmlns:p14="http://schemas.microsoft.com/office/powerpoint/2010/main" xmlns="" val="2440562694"/>
       </p:ext>
     </p:extLst>
   </p:cSld>
@@ -42008,11 +41966,7 @@
             </a:pPr>
             <a:r>
               <a:rPr lang="en-US" dirty="0" smtClean="0"/>
-              <a:t>Can </a:t>
-            </a:r>
-            <a:r>
-              <a:rPr lang="en-US" dirty="0" smtClean="0"/>
-              <a:t>build libraries of common functions (more on this later)</a:t>
+              <a:t>Can build libraries of common functions (more on this later)</a:t>
             </a:r>
           </a:p>
           <a:p>
@@ -47649,7 +47603,7 @@
     </p:spTree>
     <p:extLst>
       <p:ext uri="{BB962C8B-B14F-4D97-AF65-F5344CB8AC3E}">
-        <p14:creationId xmlns="" xmlns:p14="http://schemas.microsoft.com/office/powerpoint/2010/main" val="1557042242"/>
+        <p14:creationId xmlns:p14="http://schemas.microsoft.com/office/powerpoint/2010/main" xmlns="" val="1557042242"/>
       </p:ext>
     </p:extLst>
   </p:cSld>
@@ -48871,7 +48825,7 @@
     </p:spTree>
     <p:extLst>
       <p:ext uri="{BB962C8B-B14F-4D97-AF65-F5344CB8AC3E}">
-        <p14:creationId xmlns:p14="http://schemas.microsoft.com/office/powerpoint/2010/main" xmlns="" val="4217875043"/>
+        <p14:creationId xmlns="" xmlns:p14="http://schemas.microsoft.com/office/powerpoint/2010/main" val="4217875043"/>
       </p:ext>
     </p:extLst>
   </p:cSld>
@@ -50291,7 +50245,7 @@
   <a:extraClrSchemeLst/>
   <a:extLst>
     <a:ext uri="{05A4C25C-085E-4340-85A3-A5531E510DB2}">
-      <thm15:themeFamily xmlns:thm15="http://schemas.microsoft.com/office/thememl/2012/main" xmlns="" name="Office Theme" id="{62F939B6-93AF-4DB8-9C6B-D6C7DFDC589F}" vid="{4A3C46E8-61CC-4603-A589-7422A47A8E4A}"/>
+      <thm15:themeFamily xmlns="" xmlns:thm15="http://schemas.microsoft.com/office/thememl/2012/main" name="Office Theme" id="{62F939B6-93AF-4DB8-9C6B-D6C7DFDC589F}" vid="{4A3C46E8-61CC-4603-A589-7422A47A8E4A}"/>
     </a:ext>
   </a:extLst>
 </a:theme>
@@ -50552,7 +50506,7 @@
   <a:extraClrSchemeLst/>
   <a:extLst>
     <a:ext uri="{05A4C25C-085E-4340-85A3-A5531E510DB2}">
-      <thm15:themeFamily xmlns:thm15="http://schemas.microsoft.com/office/thememl/2012/main" xmlns="" name="Office Theme" id="{62F939B6-93AF-4DB8-9C6B-D6C7DFDC589F}" vid="{4A3C46E8-61CC-4603-A589-7422A47A8E4A}"/>
+      <thm15:themeFamily xmlns="" xmlns:thm15="http://schemas.microsoft.com/office/thememl/2012/main" name="Office Theme" id="{62F939B6-93AF-4DB8-9C6B-D6C7DFDC589F}" vid="{4A3C46E8-61CC-4603-A589-7422A47A8E4A}"/>
     </a:ext>
   </a:extLst>
 </a:theme>
@@ -50813,7 +50767,7 @@
   <a:extraClrSchemeLst/>
   <a:extLst>
     <a:ext uri="{05A4C25C-085E-4340-85A3-A5531E510DB2}">
-      <thm15:themeFamily xmlns:thm15="http://schemas.microsoft.com/office/thememl/2012/main" xmlns="" name="Office Theme" id="{62F939B6-93AF-4DB8-9C6B-D6C7DFDC589F}" vid="{4A3C46E8-61CC-4603-A589-7422A47A8E4A}"/>
+      <thm15:themeFamily xmlns="" xmlns:thm15="http://schemas.microsoft.com/office/thememl/2012/main" name="Office Theme" id="{62F939B6-93AF-4DB8-9C6B-D6C7DFDC589F}" vid="{4A3C46E8-61CC-4603-A589-7422A47A8E4A}"/>
     </a:ext>
   </a:extLst>
 </a:theme>
